--- a/TEAMB- REVATURE - SLIDE SHOW PRESENTATION.pptx
+++ b/TEAMB- REVATURE - SLIDE SHOW PRESENTATION.pptx
@@ -266,7 +266,7 @@
           <a:p>
             <a:fld id="{6AEEA837-3AE6-4A3E-8C4D-4C49EA2EEA86}" type="datetimeFigureOut">
               <a:rPr lang="en-US" smtClean="0"/>
-              <a:t>10/17/2022</a:t>
+              <a:t>10/18/2022</a:t>
             </a:fld>
             <a:endParaRPr lang="en-US" dirty="0"/>
           </a:p>
@@ -477,7 +477,7 @@
           <a:p>
             <a:fld id="{6AEEA837-3AE6-4A3E-8C4D-4C49EA2EEA86}" type="datetimeFigureOut">
               <a:rPr lang="en-US" smtClean="0"/>
-              <a:t>10/17/2022</a:t>
+              <a:t>10/18/2022</a:t>
             </a:fld>
             <a:endParaRPr lang="en-US" dirty="0"/>
           </a:p>
@@ -692,7 +692,7 @@
           <a:p>
             <a:fld id="{6AEEA837-3AE6-4A3E-8C4D-4C49EA2EEA86}" type="datetimeFigureOut">
               <a:rPr lang="en-US" smtClean="0"/>
-              <a:t>10/17/2022</a:t>
+              <a:t>10/18/2022</a:t>
             </a:fld>
             <a:endParaRPr lang="en-US" dirty="0"/>
           </a:p>
@@ -893,7 +893,7 @@
           <a:p>
             <a:fld id="{6AEEA837-3AE6-4A3E-8C4D-4C49EA2EEA86}" type="datetimeFigureOut">
               <a:rPr lang="en-US" smtClean="0"/>
-              <a:t>10/17/2022</a:t>
+              <a:t>10/18/2022</a:t>
             </a:fld>
             <a:endParaRPr lang="en-US" dirty="0"/>
           </a:p>
@@ -1172,7 +1172,7 @@
           <a:p>
             <a:fld id="{6AEEA837-3AE6-4A3E-8C4D-4C49EA2EEA86}" type="datetimeFigureOut">
               <a:rPr lang="en-US" smtClean="0"/>
-              <a:t>10/17/2022</a:t>
+              <a:t>10/18/2022</a:t>
             </a:fld>
             <a:endParaRPr lang="en-US" dirty="0"/>
           </a:p>
@@ -1440,7 +1440,7 @@
           <a:p>
             <a:fld id="{6AEEA837-3AE6-4A3E-8C4D-4C49EA2EEA86}" type="datetimeFigureOut">
               <a:rPr lang="en-US" smtClean="0"/>
-              <a:t>10/17/2022</a:t>
+              <a:t>10/18/2022</a:t>
             </a:fld>
             <a:endParaRPr lang="en-US" dirty="0"/>
           </a:p>
@@ -1856,7 +1856,7 @@
           <a:p>
             <a:fld id="{6AEEA837-3AE6-4A3E-8C4D-4C49EA2EEA86}" type="datetimeFigureOut">
               <a:rPr lang="en-US" smtClean="0"/>
-              <a:t>10/17/2022</a:t>
+              <a:t>10/18/2022</a:t>
             </a:fld>
             <a:endParaRPr lang="en-US" dirty="0"/>
           </a:p>
@@ -2005,7 +2005,7 @@
           <a:p>
             <a:fld id="{6AEEA837-3AE6-4A3E-8C4D-4C49EA2EEA86}" type="datetimeFigureOut">
               <a:rPr lang="en-US" smtClean="0"/>
-              <a:t>10/17/2022</a:t>
+              <a:t>10/18/2022</a:t>
             </a:fld>
             <a:endParaRPr lang="en-US" dirty="0"/>
           </a:p>
@@ -2131,7 +2131,7 @@
           <a:p>
             <a:fld id="{6AEEA837-3AE6-4A3E-8C4D-4C49EA2EEA86}" type="datetimeFigureOut">
               <a:rPr lang="en-US" smtClean="0"/>
-              <a:t>10/17/2022</a:t>
+              <a:t>10/18/2022</a:t>
             </a:fld>
             <a:endParaRPr lang="en-US" dirty="0"/>
           </a:p>
@@ -2382,7 +2382,7 @@
           <a:p>
             <a:fld id="{6AEEA837-3AE6-4A3E-8C4D-4C49EA2EEA86}" type="datetimeFigureOut">
               <a:rPr lang="en-US" smtClean="0"/>
-              <a:t>10/17/2022</a:t>
+              <a:t>10/18/2022</a:t>
             </a:fld>
             <a:endParaRPr lang="en-US" dirty="0"/>
           </a:p>
@@ -2826,7 +2826,7 @@
           <a:p>
             <a:fld id="{6AEEA837-3AE6-4A3E-8C4D-4C49EA2EEA86}" type="datetimeFigureOut">
               <a:rPr lang="en-US" smtClean="0"/>
-              <a:t>10/17/2022</a:t>
+              <a:t>10/18/2022</a:t>
             </a:fld>
             <a:endParaRPr lang="en-US" dirty="0"/>
           </a:p>
@@ -3153,7 +3153,7 @@
           <a:p>
             <a:fld id="{6AEEA837-3AE6-4A3E-8C4D-4C49EA2EEA86}" type="datetimeFigureOut">
               <a:rPr lang="en-US" smtClean="0"/>
-              <a:t>10/17/2022</a:t>
+              <a:t>10/18/2022</a:t>
             </a:fld>
             <a:endParaRPr lang="en-US" dirty="0"/>
           </a:p>
@@ -4017,8 +4017,27 @@
           <a:p>
             <a:pPr algn="ctr"/>
             <a:r>
-              <a:rPr lang="en-US" dirty="0"/>
-              <a:t>Design/coding and implementation staging </a:t>
+              <a:rPr lang="en-US" dirty="0">
+                <a:solidFill>
+                  <a:srgbClr val="FF0000"/>
+                </a:solidFill>
+              </a:rPr>
+              <a:t>Design Stage /</a:t>
+            </a:r>
+            <a:br>
+              <a:rPr lang="en-US" dirty="0">
+                <a:solidFill>
+                  <a:srgbClr val="FF0000"/>
+                </a:solidFill>
+              </a:rPr>
+            </a:br>
+            <a:r>
+              <a:rPr lang="en-US" dirty="0">
+                <a:solidFill>
+                  <a:srgbClr val="FF0000"/>
+                </a:solidFill>
+              </a:rPr>
+              <a:t>coding and implementation stage</a:t>
             </a:r>
           </a:p>
         </p:txBody>
@@ -4348,86 +4367,106 @@
                             </p:stCondLst>
                             <p:childTnLst>
                               <p:par>
-                                <p:cTn id="5" presetID="32" presetClass="emph" presetSubtype="0" fill="hold" grpId="0" nodeType="clickEffect">
+                                <p:cTn id="5" presetID="31" presetClass="exit" presetSubtype="0" fill="hold" grpId="0" nodeType="clickEffect">
                                   <p:stCondLst>
                                     <p:cond delay="0"/>
                                   </p:stCondLst>
                                   <p:childTnLst>
-                                    <p:animRot by="120000">
+                                    <p:anim calcmode="lin" valueType="num">
                                       <p:cBhvr>
-                                        <p:cTn id="6" dur="100" fill="hold">
+                                        <p:cTn id="6" dur="1000"/>
+                                        <p:tgtEl>
+                                          <p:spTgt spid="2"/>
+                                        </p:tgtEl>
+                                        <p:attrNameLst>
+                                          <p:attrName>ppt_w</p:attrName>
+                                        </p:attrNameLst>
+                                      </p:cBhvr>
+                                      <p:tavLst>
+                                        <p:tav tm="0">
+                                          <p:val>
+                                            <p:strVal val="ppt_w"/>
+                                          </p:val>
+                                        </p:tav>
+                                        <p:tav tm="100000">
+                                          <p:val>
+                                            <p:fltVal val="0"/>
+                                          </p:val>
+                                        </p:tav>
+                                      </p:tavLst>
+                                    </p:anim>
+                                    <p:anim calcmode="lin" valueType="num">
+                                      <p:cBhvr>
+                                        <p:cTn id="7" dur="1000"/>
+                                        <p:tgtEl>
+                                          <p:spTgt spid="2"/>
+                                        </p:tgtEl>
+                                        <p:attrNameLst>
+                                          <p:attrName>ppt_h</p:attrName>
+                                        </p:attrNameLst>
+                                      </p:cBhvr>
+                                      <p:tavLst>
+                                        <p:tav tm="0">
+                                          <p:val>
+                                            <p:strVal val="ppt_h"/>
+                                          </p:val>
+                                        </p:tav>
+                                        <p:tav tm="100000">
+                                          <p:val>
+                                            <p:fltVal val="0"/>
+                                          </p:val>
+                                        </p:tav>
+                                      </p:tavLst>
+                                    </p:anim>
+                                    <p:anim calcmode="lin" valueType="num">
+                                      <p:cBhvr>
+                                        <p:cTn id="8" dur="1000"/>
+                                        <p:tgtEl>
+                                          <p:spTgt spid="2"/>
+                                        </p:tgtEl>
+                                        <p:attrNameLst>
+                                          <p:attrName>style.rotation</p:attrName>
+                                        </p:attrNameLst>
+                                      </p:cBhvr>
+                                      <p:tavLst>
+                                        <p:tav tm="0">
+                                          <p:val>
+                                            <p:fltVal val="0"/>
+                                          </p:val>
+                                        </p:tav>
+                                        <p:tav tm="100000">
+                                          <p:val>
+                                            <p:fltVal val="90"/>
+                                          </p:val>
+                                        </p:tav>
+                                      </p:tavLst>
+                                    </p:anim>
+                                    <p:animEffect transition="out" filter="fade">
+                                      <p:cBhvr>
+                                        <p:cTn id="9" dur="1000"/>
+                                        <p:tgtEl>
+                                          <p:spTgt spid="2"/>
+                                        </p:tgtEl>
+                                      </p:cBhvr>
+                                    </p:animEffect>
+                                    <p:set>
+                                      <p:cBhvr>
+                                        <p:cTn id="10" dur="1" fill="hold">
                                           <p:stCondLst>
-                                            <p:cond delay="0"/>
+                                            <p:cond delay="999"/>
                                           </p:stCondLst>
                                         </p:cTn>
                                         <p:tgtEl>
                                           <p:spTgt spid="2"/>
                                         </p:tgtEl>
                                         <p:attrNameLst>
-                                          <p:attrName>r</p:attrName>
+                                          <p:attrName>style.visibility</p:attrName>
                                         </p:attrNameLst>
                                       </p:cBhvr>
-                                    </p:animRot>
-                                    <p:animRot by="-240000">
-                                      <p:cBhvr>
-                                        <p:cTn id="7" dur="200" fill="hold">
-                                          <p:stCondLst>
-                                            <p:cond delay="200"/>
-                                          </p:stCondLst>
-                                        </p:cTn>
-                                        <p:tgtEl>
-                                          <p:spTgt spid="2"/>
-                                        </p:tgtEl>
-                                        <p:attrNameLst>
-                                          <p:attrName>r</p:attrName>
-                                        </p:attrNameLst>
-                                      </p:cBhvr>
-                                    </p:animRot>
-                                    <p:animRot by="240000">
-                                      <p:cBhvr>
-                                        <p:cTn id="8" dur="200" fill="hold">
-                                          <p:stCondLst>
-                                            <p:cond delay="400"/>
-                                          </p:stCondLst>
-                                        </p:cTn>
-                                        <p:tgtEl>
-                                          <p:spTgt spid="2"/>
-                                        </p:tgtEl>
-                                        <p:attrNameLst>
-                                          <p:attrName>r</p:attrName>
-                                        </p:attrNameLst>
-                                      </p:cBhvr>
-                                    </p:animRot>
-                                    <p:animRot by="-240000">
-                                      <p:cBhvr>
-                                        <p:cTn id="9" dur="200" fill="hold">
-                                          <p:stCondLst>
-                                            <p:cond delay="600"/>
-                                          </p:stCondLst>
-                                        </p:cTn>
-                                        <p:tgtEl>
-                                          <p:spTgt spid="2"/>
-                                        </p:tgtEl>
-                                        <p:attrNameLst>
-                                          <p:attrName>r</p:attrName>
-                                        </p:attrNameLst>
-                                      </p:cBhvr>
-                                    </p:animRot>
-                                    <p:animRot by="120000">
-                                      <p:cBhvr>
-                                        <p:cTn id="10" dur="200" fill="hold">
-                                          <p:stCondLst>
-                                            <p:cond delay="800"/>
-                                          </p:stCondLst>
-                                        </p:cTn>
-                                        <p:tgtEl>
-                                          <p:spTgt spid="2"/>
-                                        </p:tgtEl>
-                                        <p:attrNameLst>
-                                          <p:attrName>r</p:attrName>
-                                        </p:attrNameLst>
-                                      </p:cBhvr>
-                                    </p:animRot>
+                                      <p:to>
+                                        <p:strVal val="hidden"/>
+                                      </p:to>
+                                    </p:set>
                                   </p:childTnLst>
                                 </p:cTn>
                               </p:par>
@@ -5987,7 +6026,12 @@
             <p:ph idx="1"/>
           </p:nvPr>
         </p:nvSpPr>
-        <p:spPr/>
+        <p:spPr>
+          <a:xfrm>
+            <a:off x="1451579" y="2028984"/>
+            <a:ext cx="9603275" cy="3450613"/>
+          </a:xfrm>
+        </p:spPr>
         <p:txBody>
           <a:bodyPr>
             <a:normAutofit fontScale="70000" lnSpcReduction="20000"/>
